--- a/交流会.pptx
+++ b/交流会.pptx
@@ -21,15 +21,17 @@
     <p:sldId id="269" r:id="rId15"/>
     <p:sldId id="270" r:id="rId16"/>
     <p:sldId id="271" r:id="rId17"/>
-    <p:sldId id="272" r:id="rId18"/>
-    <p:sldId id="273" r:id="rId19"/>
-    <p:sldId id="274" r:id="rId20"/>
-    <p:sldId id="275" r:id="rId21"/>
-    <p:sldId id="276" r:id="rId22"/>
-    <p:sldId id="277" r:id="rId23"/>
-    <p:sldId id="278" r:id="rId24"/>
-    <p:sldId id="279" r:id="rId25"/>
-    <p:sldId id="280" r:id="rId26"/>
+    <p:sldId id="281" r:id="rId18"/>
+    <p:sldId id="272" r:id="rId19"/>
+    <p:sldId id="273" r:id="rId20"/>
+    <p:sldId id="274" r:id="rId21"/>
+    <p:sldId id="275" r:id="rId22"/>
+    <p:sldId id="282" r:id="rId23"/>
+    <p:sldId id="276" r:id="rId24"/>
+    <p:sldId id="277" r:id="rId25"/>
+    <p:sldId id="278" r:id="rId26"/>
+    <p:sldId id="279" r:id="rId27"/>
+    <p:sldId id="280" r:id="rId28"/>
   </p:sldIdLst>
   <p:sldSz cx="12192000" cy="6858000"/>
   <p:notesSz cx="6858000" cy="9144000"/>
@@ -128,6 +130,11 @@
       </a:defRPr>
     </a:lvl9pPr>
   </p:defaultTextStyle>
+  <p:extLst>
+    <p:ext uri="{EFAFB233-063F-42B5-8137-9DF3F51BA10A}">
+      <p15:sldGuideLst xmlns:p15="http://schemas.microsoft.com/office/powerpoint/2012/main"/>
+    </p:ext>
+  </p:extLst>
 </p:presentation>
 </file>
 
@@ -4549,12 +4556,16 @@
           <a:lstStyle/>
           <a:p>
             <a:r>
+              <a:rPr lang="zh-CN" altLang="en-US" dirty="0"/>
+              <a:t>锻炼</a:t>
+            </a:r>
+            <a:r>
               <a:rPr lang="en-US" altLang="zh-CN" dirty="0"/>
-              <a:t>Debug</a:t>
+              <a:t>&amp;</a:t>
             </a:r>
             <a:r>
               <a:rPr lang="zh-CN" altLang="en-US" dirty="0"/>
-              <a:t>常用</a:t>
+              <a:t>竞赛</a:t>
             </a:r>
           </a:p>
         </p:txBody>
@@ -4582,17 +4593,17 @@
           <a:p>
             <a:r>
               <a:rPr lang="zh-CN" altLang="en-US" dirty="0"/>
-              <a:t>你的问题，都能找到</a:t>
+              <a:t>找工作必备</a:t>
             </a:r>
           </a:p>
         </p:txBody>
       </p:sp>
       <p:pic>
         <p:nvPicPr>
-          <p:cNvPr id="4" name="图片 3">
-            <a:extLst>
-              <a:ext uri="{FF2B5EF4-FFF2-40B4-BE49-F238E27FC236}">
-                <a16:creationId xmlns:a16="http://schemas.microsoft.com/office/drawing/2014/main" id="{C1842527-EA42-4F5E-ACDA-3433BD4BB46E}"/>
+          <p:cNvPr id="5" name="图片 4">
+            <a:extLst>
+              <a:ext uri="{FF2B5EF4-FFF2-40B4-BE49-F238E27FC236}">
+                <a16:creationId xmlns:a16="http://schemas.microsoft.com/office/drawing/2014/main" id="{8A3079FE-B335-4339-BD63-CAF762F04B8C}"/>
               </a:ext>
             </a:extLst>
           </p:cNvPr>
@@ -4609,8 +4620,8 @@
         </p:blipFill>
         <p:spPr>
           <a:xfrm>
-            <a:off x="7978052" y="10084"/>
-            <a:ext cx="3991210" cy="3991210"/>
+            <a:off x="8264402" y="220541"/>
+            <a:ext cx="3705225" cy="3695700"/>
           </a:xfrm>
           <a:prstGeom prst="rect">
             <a:avLst/>
@@ -4619,10 +4630,10 @@
       </p:pic>
       <p:pic>
         <p:nvPicPr>
-          <p:cNvPr id="7" name="图片 6">
-            <a:extLst>
-              <a:ext uri="{FF2B5EF4-FFF2-40B4-BE49-F238E27FC236}">
-                <a16:creationId xmlns:a16="http://schemas.microsoft.com/office/drawing/2014/main" id="{D128A7E0-7569-4E7F-A552-18F21CC378D8}"/>
+          <p:cNvPr id="6" name="图片 5">
+            <a:extLst>
+              <a:ext uri="{FF2B5EF4-FFF2-40B4-BE49-F238E27FC236}">
+                <a16:creationId xmlns:a16="http://schemas.microsoft.com/office/drawing/2014/main" id="{A5FF5FB1-1489-4F06-BBB2-191CA2D4B5D3}"/>
               </a:ext>
             </a:extLst>
           </p:cNvPr>
@@ -4639,8 +4650,8 @@
         </p:blipFill>
         <p:spPr>
           <a:xfrm>
-            <a:off x="1049609" y="2848090"/>
-            <a:ext cx="6492803" cy="2613887"/>
+            <a:off x="487240" y="3983709"/>
+            <a:ext cx="11029950" cy="2609850"/>
           </a:xfrm>
           <a:prstGeom prst="rect">
             <a:avLst/>
@@ -4699,8 +4710,12 @@
           <a:lstStyle/>
           <a:p>
             <a:r>
+              <a:rPr lang="en-US" altLang="zh-CN" dirty="0"/>
+              <a:t>Debug</a:t>
+            </a:r>
+            <a:r>
               <a:rPr lang="zh-CN" altLang="en-US" dirty="0"/>
-              <a:t>北邮微软全家桶</a:t>
+              <a:t>常用</a:t>
             </a:r>
           </a:p>
         </p:txBody>
@@ -4721,61 +4736,24 @@
             <p:ph idx="1"/>
           </p:nvPr>
         </p:nvSpPr>
-        <p:spPr>
-          <a:xfrm>
-            <a:off x="838200" y="1825625"/>
-            <a:ext cx="7168662" cy="4351338"/>
-          </a:xfrm>
-        </p:spPr>
+        <p:spPr/>
         <p:txBody>
           <a:bodyPr/>
           <a:lstStyle/>
           <a:p>
             <a:r>
               <a:rPr lang="zh-CN" altLang="en-US" dirty="0"/>
-              <a:t>能白嫖就白嫖</a:t>
-            </a:r>
-            <a:endParaRPr lang="en-US" altLang="zh-CN" dirty="0"/>
-          </a:p>
-          <a:p>
-            <a:r>
-              <a:rPr lang="zh-CN" altLang="en-US" dirty="0"/>
-              <a:t>仅限校园网下载，提供全平台免费</a:t>
-            </a:r>
-            <a:r>
-              <a:rPr lang="en-US" altLang="zh-CN" dirty="0"/>
-              <a:t>office</a:t>
-            </a:r>
-            <a:r>
-              <a:rPr lang="zh-CN" altLang="en-US" dirty="0"/>
-              <a:t>、</a:t>
-            </a:r>
-            <a:r>
-              <a:rPr lang="en-US" altLang="zh-CN" dirty="0"/>
-              <a:t>win10</a:t>
-            </a:r>
-            <a:r>
-              <a:rPr lang="zh-CN" altLang="en-US" dirty="0"/>
-              <a:t>专业版等</a:t>
-            </a:r>
-          </a:p>
-          <a:p>
-            <a:endParaRPr lang="zh-CN" altLang="en-US" dirty="0"/>
-          </a:p>
-          <a:p>
-            <a:r>
-              <a:rPr lang="zh-CN" altLang="en-US" dirty="0"/>
-              <a:t>请配套网站激活补丁食用</a:t>
+              <a:t>你的问题，都能找到</a:t>
             </a:r>
           </a:p>
         </p:txBody>
       </p:sp>
       <p:pic>
         <p:nvPicPr>
-          <p:cNvPr id="5" name="图片 4">
-            <a:extLst>
-              <a:ext uri="{FF2B5EF4-FFF2-40B4-BE49-F238E27FC236}">
-                <a16:creationId xmlns:a16="http://schemas.microsoft.com/office/drawing/2014/main" id="{51755DE7-4E89-47B7-9680-ADA697A9DD56}"/>
+          <p:cNvPr id="4" name="图片 3">
+            <a:extLst>
+              <a:ext uri="{FF2B5EF4-FFF2-40B4-BE49-F238E27FC236}">
+                <a16:creationId xmlns:a16="http://schemas.microsoft.com/office/drawing/2014/main" id="{C1842527-EA42-4F5E-ACDA-3433BD4BB46E}"/>
               </a:ext>
             </a:extLst>
           </p:cNvPr>
@@ -4792,8 +4770,8 @@
         </p:blipFill>
         <p:spPr>
           <a:xfrm>
-            <a:off x="7918947" y="681037"/>
-            <a:ext cx="3646262" cy="3211869"/>
+            <a:off x="7978052" y="10084"/>
+            <a:ext cx="3991210" cy="3991210"/>
           </a:xfrm>
           <a:prstGeom prst="rect">
             <a:avLst/>
@@ -4802,10 +4780,10 @@
       </p:pic>
       <p:pic>
         <p:nvPicPr>
-          <p:cNvPr id="6" name="图片 5">
-            <a:extLst>
-              <a:ext uri="{FF2B5EF4-FFF2-40B4-BE49-F238E27FC236}">
-                <a16:creationId xmlns:a16="http://schemas.microsoft.com/office/drawing/2014/main" id="{8130E925-F9AF-4EC3-B567-4088FFAD6FAA}"/>
+          <p:cNvPr id="7" name="图片 6">
+            <a:extLst>
+              <a:ext uri="{FF2B5EF4-FFF2-40B4-BE49-F238E27FC236}">
+                <a16:creationId xmlns:a16="http://schemas.microsoft.com/office/drawing/2014/main" id="{D128A7E0-7569-4E7F-A552-18F21CC378D8}"/>
               </a:ext>
             </a:extLst>
           </p:cNvPr>
@@ -4822,66 +4800,18 @@
         </p:blipFill>
         <p:spPr>
           <a:xfrm>
-            <a:off x="615484" y="3181905"/>
-            <a:ext cx="7052148" cy="3211869"/>
+            <a:off x="1049609" y="2848090"/>
+            <a:ext cx="6492803" cy="2613887"/>
           </a:xfrm>
           <a:prstGeom prst="rect">
             <a:avLst/>
           </a:prstGeom>
         </p:spPr>
       </p:pic>
-      <p:sp>
-        <p:nvSpPr>
-          <p:cNvPr id="9" name="矩形 8">
-            <a:extLst>
-              <a:ext uri="{FF2B5EF4-FFF2-40B4-BE49-F238E27FC236}">
-                <a16:creationId xmlns:a16="http://schemas.microsoft.com/office/drawing/2014/main" id="{54D46E06-D562-48A0-906F-434520FCA444}"/>
-              </a:ext>
-            </a:extLst>
-          </p:cNvPr>
-          <p:cNvSpPr/>
-          <p:nvPr/>
-        </p:nvSpPr>
-        <p:spPr>
-          <a:xfrm>
-            <a:off x="7699905" y="4787840"/>
-            <a:ext cx="4365298" cy="480131"/>
-          </a:xfrm>
-          <a:prstGeom prst="rect">
-            <a:avLst/>
-          </a:prstGeom>
-        </p:spPr>
-        <p:txBody>
-          <a:bodyPr wrap="none">
-            <a:spAutoFit/>
-          </a:bodyPr>
-          <a:lstStyle/>
-          <a:p>
-            <a:pPr marL="228600" lvl="0" indent="-228600">
-              <a:lnSpc>
-                <a:spcPct val="90000"/>
-              </a:lnSpc>
-              <a:spcBef>
-                <a:spcPts val="1000"/>
-              </a:spcBef>
-              <a:buFont typeface="Arial" panose="020B0604020202020204" pitchFamily="34" charset="0"/>
-              <a:buChar char="•"/>
-            </a:pPr>
-            <a:r>
-              <a:rPr lang="zh-CN" altLang="en-US" sz="2800" dirty="0">
-                <a:solidFill>
-                  <a:prstClr val="black"/>
-                </a:solidFill>
-              </a:rPr>
-              <a:t>请配套网站激活补丁食用</a:t>
-            </a:r>
-          </a:p>
-        </p:txBody>
-      </p:sp>
     </p:spTree>
     <p:extLst>
       <p:ext uri="{BB962C8B-B14F-4D97-AF65-F5344CB8AC3E}">
-        <p14:creationId xmlns:p14="http://schemas.microsoft.com/office/powerpoint/2010/main" val="744712439"/>
+        <p14:creationId xmlns:p14="http://schemas.microsoft.com/office/powerpoint/2010/main" val="116573794"/>
       </p:ext>
     </p:extLst>
   </p:cSld>
@@ -4931,7 +4861,7 @@
           <a:p>
             <a:r>
               <a:rPr lang="zh-CN" altLang="en-US" dirty="0"/>
-              <a:t>最强校内资源站</a:t>
+              <a:t>北邮微软全家桶</a:t>
             </a:r>
           </a:p>
         </p:txBody>
@@ -4963,28 +4893,50 @@
           <a:lstStyle/>
           <a:p>
             <a:r>
+              <a:rPr lang="zh-CN" altLang="en-US" dirty="0"/>
+              <a:t>能白嫖就白嫖</a:t>
+            </a:r>
+            <a:endParaRPr lang="en-US" altLang="zh-CN" dirty="0"/>
+          </a:p>
+          <a:p>
+            <a:r>
+              <a:rPr lang="zh-CN" altLang="en-US" dirty="0"/>
+              <a:t>仅限校园网下载，提供全平台免费</a:t>
+            </a:r>
+            <a:r>
               <a:rPr lang="en-US" altLang="zh-CN" dirty="0"/>
-              <a:t>50</a:t>
+              <a:t>office</a:t>
             </a:r>
             <a:r>
               <a:rPr lang="zh-CN" altLang="en-US" dirty="0"/>
-              <a:t>天内没有任何数据交互就会被删号</a:t>
-            </a:r>
-          </a:p>
-          <a:p>
+              <a:t>、</a:t>
+            </a:r>
+            <a:r>
+              <a:rPr lang="en-US" altLang="zh-CN" dirty="0"/>
+              <a:t>win10</a:t>
+            </a:r>
             <a:r>
               <a:rPr lang="zh-CN" altLang="en-US" dirty="0"/>
-              <a:t>请配套以下帖子食用</a:t>
+              <a:t>专业版等</a:t>
+            </a:r>
+          </a:p>
+          <a:p>
+            <a:endParaRPr lang="zh-CN" altLang="en-US" dirty="0"/>
+          </a:p>
+          <a:p>
+            <a:r>
+              <a:rPr lang="zh-CN" altLang="en-US" dirty="0"/>
+              <a:t>请配套网站激活补丁食用</a:t>
             </a:r>
           </a:p>
         </p:txBody>
       </p:sp>
       <p:pic>
         <p:nvPicPr>
-          <p:cNvPr id="4" name="图片 3">
-            <a:extLst>
-              <a:ext uri="{FF2B5EF4-FFF2-40B4-BE49-F238E27FC236}">
-                <a16:creationId xmlns:a16="http://schemas.microsoft.com/office/drawing/2014/main" id="{FC228AAC-2D4B-4C03-ABF7-3A9CA3B4840C}"/>
+          <p:cNvPr id="5" name="图片 4">
+            <a:extLst>
+              <a:ext uri="{FF2B5EF4-FFF2-40B4-BE49-F238E27FC236}">
+                <a16:creationId xmlns:a16="http://schemas.microsoft.com/office/drawing/2014/main" id="{51755DE7-4E89-47B7-9680-ADA697A9DD56}"/>
               </a:ext>
             </a:extLst>
           </p:cNvPr>
@@ -5001,8 +4953,8 @@
         </p:blipFill>
         <p:spPr>
           <a:xfrm>
-            <a:off x="8730557" y="149731"/>
-            <a:ext cx="3101609" cy="3025402"/>
+            <a:off x="7918947" y="681037"/>
+            <a:ext cx="3646262" cy="3211869"/>
           </a:xfrm>
           <a:prstGeom prst="rect">
             <a:avLst/>
@@ -5011,10 +4963,10 @@
       </p:pic>
       <p:pic>
         <p:nvPicPr>
-          <p:cNvPr id="7" name="图片 6">
-            <a:extLst>
-              <a:ext uri="{FF2B5EF4-FFF2-40B4-BE49-F238E27FC236}">
-                <a16:creationId xmlns:a16="http://schemas.microsoft.com/office/drawing/2014/main" id="{836ED17F-5FD0-41EB-A73A-1AC3717BB823}"/>
+          <p:cNvPr id="6" name="图片 5">
+            <a:extLst>
+              <a:ext uri="{FF2B5EF4-FFF2-40B4-BE49-F238E27FC236}">
+                <a16:creationId xmlns:a16="http://schemas.microsoft.com/office/drawing/2014/main" id="{8130E925-F9AF-4EC3-B567-4088FFAD6FAA}"/>
               </a:ext>
             </a:extLst>
           </p:cNvPr>
@@ -5031,48 +4983,66 @@
         </p:blipFill>
         <p:spPr>
           <a:xfrm>
-            <a:off x="1120888" y="3227767"/>
-            <a:ext cx="3010161" cy="2949196"/>
+            <a:off x="615484" y="3181905"/>
+            <a:ext cx="7052148" cy="3211869"/>
           </a:xfrm>
           <a:prstGeom prst="rect">
             <a:avLst/>
           </a:prstGeom>
         </p:spPr>
       </p:pic>
-      <p:pic>
-        <p:nvPicPr>
-          <p:cNvPr id="8" name="图片 7">
-            <a:extLst>
-              <a:ext uri="{FF2B5EF4-FFF2-40B4-BE49-F238E27FC236}">
-                <a16:creationId xmlns:a16="http://schemas.microsoft.com/office/drawing/2014/main" id="{17846A90-0855-4D40-AFA9-327EA68F004C}"/>
-              </a:ext>
-            </a:extLst>
-          </p:cNvPr>
-          <p:cNvPicPr>
-            <a:picLocks noChangeAspect="1"/>
-          </p:cNvPicPr>
+      <p:sp>
+        <p:nvSpPr>
+          <p:cNvPr id="9" name="矩形 8">
+            <a:extLst>
+              <a:ext uri="{FF2B5EF4-FFF2-40B4-BE49-F238E27FC236}">
+                <a16:creationId xmlns:a16="http://schemas.microsoft.com/office/drawing/2014/main" id="{54D46E06-D562-48A0-906F-434520FCA444}"/>
+              </a:ext>
+            </a:extLst>
+          </p:cNvPr>
+          <p:cNvSpPr/>
           <p:nvPr/>
-        </p:nvPicPr>
-        <p:blipFill>
-          <a:blip r:embed="rId4"/>
-          <a:stretch>
-            <a:fillRect/>
-          </a:stretch>
-        </p:blipFill>
-        <p:spPr>
-          <a:xfrm>
-            <a:off x="4131049" y="3522453"/>
-            <a:ext cx="3015681" cy="2538378"/>
+        </p:nvSpPr>
+        <p:spPr>
+          <a:xfrm>
+            <a:off x="7699905" y="4787840"/>
+            <a:ext cx="4365298" cy="480131"/>
           </a:xfrm>
           <a:prstGeom prst="rect">
             <a:avLst/>
           </a:prstGeom>
         </p:spPr>
-      </p:pic>
+        <p:txBody>
+          <a:bodyPr wrap="none">
+            <a:spAutoFit/>
+          </a:bodyPr>
+          <a:lstStyle/>
+          <a:p>
+            <a:pPr marL="228600" lvl="0" indent="-228600">
+              <a:lnSpc>
+                <a:spcPct val="90000"/>
+              </a:lnSpc>
+              <a:spcBef>
+                <a:spcPts val="1000"/>
+              </a:spcBef>
+              <a:buFont typeface="Arial" panose="020B0604020202020204" pitchFamily="34" charset="0"/>
+              <a:buChar char="•"/>
+            </a:pPr>
+            <a:r>
+              <a:rPr lang="zh-CN" altLang="en-US" sz="2800" dirty="0">
+                <a:solidFill>
+                  <a:prstClr val="black"/>
+                </a:solidFill>
+              </a:rPr>
+              <a:t>请配套网站激活补丁食用</a:t>
+            </a:r>
+          </a:p>
+        </p:txBody>
+      </p:sp>
     </p:spTree>
     <p:extLst>
       <p:ext uri="{BB962C8B-B14F-4D97-AF65-F5344CB8AC3E}">
-        <p14:creationId xmlns:p14="http://schemas.microsoft.com/office/powerpoint/2010/main" val="2546734082"/>
+        <p14:creationId xmlns:p14="http://schemas.microsoft.com/office/powerpoint/2010/main" val="744712439"/>
       </p:ext>
     </p:extLst>
   </p:cSld>
@@ -5122,7 +5092,7 @@
           <a:p>
             <a:r>
               <a:rPr lang="zh-CN" altLang="en-US" dirty="0"/>
-              <a:t>科研资源</a:t>
+              <a:t>最强校内资源站</a:t>
             </a:r>
           </a:p>
         </p:txBody>
@@ -5155,28 +5125,27 @@
           <a:p>
             <a:r>
               <a:rPr lang="en-US" altLang="zh-CN" dirty="0"/>
-              <a:t>Google </a:t>
-            </a:r>
-            <a:r>
-              <a:rPr lang="en-US" altLang="zh-CN" dirty="0" err="1"/>
-              <a:t>scolar</a:t>
-            </a:r>
-            <a:endParaRPr lang="en-US" altLang="zh-CN" dirty="0"/>
-          </a:p>
-          <a:p>
+              <a:t>50</a:t>
+            </a:r>
             <a:r>
               <a:rPr lang="zh-CN" altLang="en-US" dirty="0"/>
-              <a:t>配合网络流量管理器或国内镜像使用</a:t>
+              <a:t>天内没有任何数据交互就会被删号</a:t>
+            </a:r>
+          </a:p>
+          <a:p>
+            <a:r>
+              <a:rPr lang="zh-CN" altLang="en-US" dirty="0"/>
+              <a:t>请配套以下帖子食用</a:t>
             </a:r>
           </a:p>
         </p:txBody>
       </p:sp>
       <p:pic>
         <p:nvPicPr>
-          <p:cNvPr id="5" name="图片 4">
-            <a:extLst>
-              <a:ext uri="{FF2B5EF4-FFF2-40B4-BE49-F238E27FC236}">
-                <a16:creationId xmlns:a16="http://schemas.microsoft.com/office/drawing/2014/main" id="{8BBB2150-6F9A-4572-897C-C8ECAD27B02A}"/>
+          <p:cNvPr id="4" name="图片 3">
+            <a:extLst>
+              <a:ext uri="{FF2B5EF4-FFF2-40B4-BE49-F238E27FC236}">
+                <a16:creationId xmlns:a16="http://schemas.microsoft.com/office/drawing/2014/main" id="{FC228AAC-2D4B-4C03-ABF7-3A9CA3B4840C}"/>
               </a:ext>
             </a:extLst>
           </p:cNvPr>
@@ -5193,8 +5162,8 @@
         </p:blipFill>
         <p:spPr>
           <a:xfrm>
-            <a:off x="9013145" y="460681"/>
-            <a:ext cx="2726727" cy="2594952"/>
+            <a:off x="8730557" y="149731"/>
+            <a:ext cx="3101609" cy="3025402"/>
           </a:xfrm>
           <a:prstGeom prst="rect">
             <a:avLst/>
@@ -5203,10 +5172,10 @@
       </p:pic>
       <p:pic>
         <p:nvPicPr>
-          <p:cNvPr id="6" name="图片 5">
-            <a:extLst>
-              <a:ext uri="{FF2B5EF4-FFF2-40B4-BE49-F238E27FC236}">
-                <a16:creationId xmlns:a16="http://schemas.microsoft.com/office/drawing/2014/main" id="{CE897C2B-86EC-409D-8358-CD918DAF01C4}"/>
+          <p:cNvPr id="7" name="图片 6">
+            <a:extLst>
+              <a:ext uri="{FF2B5EF4-FFF2-40B4-BE49-F238E27FC236}">
+                <a16:creationId xmlns:a16="http://schemas.microsoft.com/office/drawing/2014/main" id="{836ED17F-5FD0-41EB-A73A-1AC3717BB823}"/>
               </a:ext>
             </a:extLst>
           </p:cNvPr>
@@ -5223,8 +5192,38 @@
         </p:blipFill>
         <p:spPr>
           <a:xfrm>
-            <a:off x="954522" y="3612029"/>
-            <a:ext cx="7168662" cy="2564934"/>
+            <a:off x="1120888" y="3227767"/>
+            <a:ext cx="3010161" cy="2949196"/>
+          </a:xfrm>
+          <a:prstGeom prst="rect">
+            <a:avLst/>
+          </a:prstGeom>
+        </p:spPr>
+      </p:pic>
+      <p:pic>
+        <p:nvPicPr>
+          <p:cNvPr id="8" name="图片 7">
+            <a:extLst>
+              <a:ext uri="{FF2B5EF4-FFF2-40B4-BE49-F238E27FC236}">
+                <a16:creationId xmlns:a16="http://schemas.microsoft.com/office/drawing/2014/main" id="{17846A90-0855-4D40-AFA9-327EA68F004C}"/>
+              </a:ext>
+            </a:extLst>
+          </p:cNvPr>
+          <p:cNvPicPr>
+            <a:picLocks noChangeAspect="1"/>
+          </p:cNvPicPr>
+          <p:nvPr/>
+        </p:nvPicPr>
+        <p:blipFill>
+          <a:blip r:embed="rId4"/>
+          <a:stretch>
+            <a:fillRect/>
+          </a:stretch>
+        </p:blipFill>
+        <p:spPr>
+          <a:xfrm>
+            <a:off x="4131049" y="3522453"/>
+            <a:ext cx="3015681" cy="2538378"/>
           </a:xfrm>
           <a:prstGeom prst="rect">
             <a:avLst/>
@@ -5234,7 +5233,7 @@
     </p:spTree>
     <p:extLst>
       <p:ext uri="{BB962C8B-B14F-4D97-AF65-F5344CB8AC3E}">
-        <p14:creationId xmlns:p14="http://schemas.microsoft.com/office/powerpoint/2010/main" val="3904354401"/>
+        <p14:creationId xmlns:p14="http://schemas.microsoft.com/office/powerpoint/2010/main" val="2546734082"/>
       </p:ext>
     </p:extLst>
   </p:cSld>
@@ -5612,34 +5611,29 @@
           <a:lstStyle/>
           <a:p>
             <a:r>
+              <a:rPr lang="en-US" altLang="zh-CN" dirty="0"/>
+              <a:t>Google </a:t>
+            </a:r>
+            <a:r>
+              <a:rPr lang="en-US" altLang="zh-CN" dirty="0" err="1"/>
+              <a:t>scolar</a:t>
+            </a:r>
+            <a:endParaRPr lang="en-US" altLang="zh-CN" dirty="0"/>
+          </a:p>
+          <a:p>
+            <a:r>
               <a:rPr lang="zh-CN" altLang="en-US" dirty="0"/>
-              <a:t>北邮图书馆</a:t>
-            </a:r>
-            <a:r>
-              <a:rPr lang="en-US" altLang="zh-CN" dirty="0"/>
-              <a:t>——SCI</a:t>
-            </a:r>
-            <a:r>
-              <a:rPr lang="zh-CN" altLang="en-US" dirty="0"/>
-              <a:t>、</a:t>
-            </a:r>
-            <a:r>
-              <a:rPr lang="en-US" altLang="zh-CN" dirty="0"/>
-              <a:t>IEEE</a:t>
-            </a:r>
-            <a:r>
-              <a:rPr lang="zh-CN" altLang="en-US" dirty="0"/>
-              <a:t>、知网等</a:t>
+              <a:t>配合网络流量管理器或国内镜像使用</a:t>
             </a:r>
           </a:p>
         </p:txBody>
       </p:sp>
       <p:pic>
         <p:nvPicPr>
-          <p:cNvPr id="4" name="图片 3">
-            <a:extLst>
-              <a:ext uri="{FF2B5EF4-FFF2-40B4-BE49-F238E27FC236}">
-                <a16:creationId xmlns:a16="http://schemas.microsoft.com/office/drawing/2014/main" id="{6D9BE18D-CE32-4170-887E-5263BFAF5B8F}"/>
+          <p:cNvPr id="5" name="图片 4">
+            <a:extLst>
+              <a:ext uri="{FF2B5EF4-FFF2-40B4-BE49-F238E27FC236}">
+                <a16:creationId xmlns:a16="http://schemas.microsoft.com/office/drawing/2014/main" id="{8BBB2150-6F9A-4572-897C-C8ECAD27B02A}"/>
               </a:ext>
             </a:extLst>
           </p:cNvPr>
@@ -5656,8 +5650,8 @@
         </p:blipFill>
         <p:spPr>
           <a:xfrm>
-            <a:off x="8850923" y="576986"/>
-            <a:ext cx="2886611" cy="2433423"/>
+            <a:off x="9013145" y="460681"/>
+            <a:ext cx="2726727" cy="2594952"/>
           </a:xfrm>
           <a:prstGeom prst="rect">
             <a:avLst/>
@@ -5666,10 +5660,10 @@
       </p:pic>
       <p:pic>
         <p:nvPicPr>
-          <p:cNvPr id="7" name="图片 6">
-            <a:extLst>
-              <a:ext uri="{FF2B5EF4-FFF2-40B4-BE49-F238E27FC236}">
-                <a16:creationId xmlns:a16="http://schemas.microsoft.com/office/drawing/2014/main" id="{FA951539-348B-4B2E-8528-AE6ED21388B9}"/>
+          <p:cNvPr id="6" name="图片 5">
+            <a:extLst>
+              <a:ext uri="{FF2B5EF4-FFF2-40B4-BE49-F238E27FC236}">
+                <a16:creationId xmlns:a16="http://schemas.microsoft.com/office/drawing/2014/main" id="{CE897C2B-86EC-409D-8358-CD918DAF01C4}"/>
               </a:ext>
             </a:extLst>
           </p:cNvPr>
@@ -5686,72 +5680,8 @@
         </p:blipFill>
         <p:spPr>
           <a:xfrm>
-            <a:off x="287217" y="2368851"/>
-            <a:ext cx="7322807" cy="3943049"/>
-          </a:xfrm>
-          <a:prstGeom prst="rect">
-            <a:avLst/>
-          </a:prstGeom>
-        </p:spPr>
-      </p:pic>
-      <p:sp>
-        <p:nvSpPr>
-          <p:cNvPr id="8" name="矩形 7">
-            <a:extLst>
-              <a:ext uri="{FF2B5EF4-FFF2-40B4-BE49-F238E27FC236}">
-                <a16:creationId xmlns:a16="http://schemas.microsoft.com/office/drawing/2014/main" id="{E341C758-2D66-4AF1-87A6-9EB5B8F65165}"/>
-              </a:ext>
-            </a:extLst>
-          </p:cNvPr>
-          <p:cNvSpPr/>
-          <p:nvPr/>
-        </p:nvSpPr>
-        <p:spPr>
-          <a:xfrm>
-            <a:off x="8161007" y="3539629"/>
-            <a:ext cx="2886610" cy="923330"/>
-          </a:xfrm>
-          <a:prstGeom prst="rect">
-            <a:avLst/>
-          </a:prstGeom>
-        </p:spPr>
-        <p:txBody>
-          <a:bodyPr wrap="square">
-            <a:spAutoFit/>
-          </a:bodyPr>
-          <a:lstStyle/>
-          <a:p>
-            <a:r>
-              <a:rPr lang="zh-CN" altLang="en-US" dirty="0"/>
-              <a:t>一般来讲，IEEE J、T 质量较高；C较短；L次之。IEEE也是有分区的</a:t>
-            </a:r>
-          </a:p>
-        </p:txBody>
-      </p:sp>
-      <p:pic>
-        <p:nvPicPr>
-          <p:cNvPr id="9" name="图片 8">
-            <a:extLst>
-              <a:ext uri="{FF2B5EF4-FFF2-40B4-BE49-F238E27FC236}">
-                <a16:creationId xmlns:a16="http://schemas.microsoft.com/office/drawing/2014/main" id="{92FDDE31-490E-4734-ADB3-0A3EE6BCEEE8}"/>
-              </a:ext>
-            </a:extLst>
-          </p:cNvPr>
-          <p:cNvPicPr>
-            <a:picLocks noChangeAspect="1"/>
-          </p:cNvPicPr>
-          <p:nvPr/>
-        </p:nvPicPr>
-        <p:blipFill>
-          <a:blip r:embed="rId4"/>
-          <a:stretch>
-            <a:fillRect/>
-          </a:stretch>
-        </p:blipFill>
-        <p:spPr>
-          <a:xfrm>
-            <a:off x="8850923" y="4615289"/>
-            <a:ext cx="2118544" cy="2011854"/>
+            <a:off x="954522" y="3612029"/>
+            <a:ext cx="7168662" cy="2564934"/>
           </a:xfrm>
           <a:prstGeom prst="rect">
             <a:avLst/>
@@ -5761,7 +5691,7 @@
     </p:spTree>
     <p:extLst>
       <p:ext uri="{BB962C8B-B14F-4D97-AF65-F5344CB8AC3E}">
-        <p14:creationId xmlns:p14="http://schemas.microsoft.com/office/powerpoint/2010/main" val="2344938371"/>
+        <p14:creationId xmlns:p14="http://schemas.microsoft.com/office/powerpoint/2010/main" val="3904354401"/>
       </p:ext>
     </p:extLst>
   </p:cSld>
@@ -5811,13 +5741,8 @@
           <a:p>
             <a:r>
               <a:rPr lang="zh-CN" altLang="en-US" dirty="0"/>
-              <a:t>生命苦短我用 </a:t>
-            </a:r>
-            <a:r>
-              <a:rPr lang="en-US" altLang="zh-CN" dirty="0"/>
-              <a:t>python</a:t>
-            </a:r>
-            <a:endParaRPr lang="zh-CN" altLang="en-US" dirty="0"/>
+              <a:t>科研资源</a:t>
+            </a:r>
           </a:p>
         </p:txBody>
       </p:sp>
@@ -5848,35 +5773,34 @@
           <a:lstStyle/>
           <a:p>
             <a:r>
+              <a:rPr lang="zh-CN" altLang="en-US" dirty="0"/>
+              <a:t>北邮图书馆</a:t>
+            </a:r>
+            <a:r>
               <a:rPr lang="en-US" altLang="zh-CN" dirty="0"/>
-              <a:t>Anaconda</a:t>
-            </a:r>
-          </a:p>
-          <a:p>
+              <a:t>——SCI</a:t>
+            </a:r>
             <a:r>
               <a:rPr lang="zh-CN" altLang="en-US" dirty="0"/>
-              <a:t>基本上是对新手最友好的第三方库管理软件</a:t>
-            </a:r>
-          </a:p>
-          <a:p>
+              <a:t>、</a:t>
+            </a:r>
+            <a:r>
+              <a:rPr lang="en-US" altLang="zh-CN" dirty="0"/>
+              <a:t>IEEE</a:t>
+            </a:r>
             <a:r>
               <a:rPr lang="zh-CN" altLang="en-US" dirty="0"/>
-              <a:t>下载安装一定要选中“</a:t>
-            </a:r>
-            <a:r>
-              <a:rPr lang="en-US" altLang="zh-CN" dirty="0"/>
-              <a:t>add to path”</a:t>
-            </a:r>
-            <a:endParaRPr lang="zh-CN" altLang="en-US" dirty="0"/>
+              <a:t>、知网等</a:t>
+            </a:r>
           </a:p>
         </p:txBody>
       </p:sp>
       <p:pic>
         <p:nvPicPr>
-          <p:cNvPr id="5" name="图片 4">
-            <a:extLst>
-              <a:ext uri="{FF2B5EF4-FFF2-40B4-BE49-F238E27FC236}">
-                <a16:creationId xmlns:a16="http://schemas.microsoft.com/office/drawing/2014/main" id="{D356D450-15D9-4735-92A4-2741434D4FA2}"/>
+          <p:cNvPr id="4" name="图片 3">
+            <a:extLst>
+              <a:ext uri="{FF2B5EF4-FFF2-40B4-BE49-F238E27FC236}">
+                <a16:creationId xmlns:a16="http://schemas.microsoft.com/office/drawing/2014/main" id="{6D9BE18D-CE32-4170-887E-5263BFAF5B8F}"/>
               </a:ext>
             </a:extLst>
           </p:cNvPr>
@@ -5893,8 +5817,8 @@
         </p:blipFill>
         <p:spPr>
           <a:xfrm>
-            <a:off x="684055" y="4071426"/>
-            <a:ext cx="6492803" cy="2240474"/>
+            <a:off x="8850923" y="576986"/>
+            <a:ext cx="2886611" cy="2433423"/>
           </a:xfrm>
           <a:prstGeom prst="rect">
             <a:avLst/>
@@ -5903,10 +5827,10 @@
       </p:pic>
       <p:pic>
         <p:nvPicPr>
-          <p:cNvPr id="6" name="图片 5">
-            <a:extLst>
-              <a:ext uri="{FF2B5EF4-FFF2-40B4-BE49-F238E27FC236}">
-                <a16:creationId xmlns:a16="http://schemas.microsoft.com/office/drawing/2014/main" id="{34E27829-7BCE-487D-A067-0CABBA5ECB53}"/>
+          <p:cNvPr id="7" name="图片 6">
+            <a:extLst>
+              <a:ext uri="{FF2B5EF4-FFF2-40B4-BE49-F238E27FC236}">
+                <a16:creationId xmlns:a16="http://schemas.microsoft.com/office/drawing/2014/main" id="{FA951539-348B-4B2E-8528-AE6ED21388B9}"/>
               </a:ext>
             </a:extLst>
           </p:cNvPr>
@@ -5923,8 +5847,72 @@
         </p:blipFill>
         <p:spPr>
           <a:xfrm>
-            <a:off x="8317145" y="682494"/>
-            <a:ext cx="3276978" cy="3149468"/>
+            <a:off x="287217" y="2368851"/>
+            <a:ext cx="7322807" cy="3943049"/>
+          </a:xfrm>
+          <a:prstGeom prst="rect">
+            <a:avLst/>
+          </a:prstGeom>
+        </p:spPr>
+      </p:pic>
+      <p:sp>
+        <p:nvSpPr>
+          <p:cNvPr id="8" name="矩形 7">
+            <a:extLst>
+              <a:ext uri="{FF2B5EF4-FFF2-40B4-BE49-F238E27FC236}">
+                <a16:creationId xmlns:a16="http://schemas.microsoft.com/office/drawing/2014/main" id="{E341C758-2D66-4AF1-87A6-9EB5B8F65165}"/>
+              </a:ext>
+            </a:extLst>
+          </p:cNvPr>
+          <p:cNvSpPr/>
+          <p:nvPr/>
+        </p:nvSpPr>
+        <p:spPr>
+          <a:xfrm>
+            <a:off x="8161007" y="3539629"/>
+            <a:ext cx="2886610" cy="923330"/>
+          </a:xfrm>
+          <a:prstGeom prst="rect">
+            <a:avLst/>
+          </a:prstGeom>
+        </p:spPr>
+        <p:txBody>
+          <a:bodyPr wrap="square">
+            <a:spAutoFit/>
+          </a:bodyPr>
+          <a:lstStyle/>
+          <a:p>
+            <a:r>
+              <a:rPr lang="zh-CN" altLang="en-US" dirty="0"/>
+              <a:t>一般来讲，IEEE J、T 质量较高；C较短；L次之。IEEE也是有分区的</a:t>
+            </a:r>
+          </a:p>
+        </p:txBody>
+      </p:sp>
+      <p:pic>
+        <p:nvPicPr>
+          <p:cNvPr id="9" name="图片 8">
+            <a:extLst>
+              <a:ext uri="{FF2B5EF4-FFF2-40B4-BE49-F238E27FC236}">
+                <a16:creationId xmlns:a16="http://schemas.microsoft.com/office/drawing/2014/main" id="{92FDDE31-490E-4734-ADB3-0A3EE6BCEEE8}"/>
+              </a:ext>
+            </a:extLst>
+          </p:cNvPr>
+          <p:cNvPicPr>
+            <a:picLocks noChangeAspect="1"/>
+          </p:cNvPicPr>
+          <p:nvPr/>
+        </p:nvPicPr>
+        <p:blipFill>
+          <a:blip r:embed="rId4"/>
+          <a:stretch>
+            <a:fillRect/>
+          </a:stretch>
+        </p:blipFill>
+        <p:spPr>
+          <a:xfrm>
+            <a:off x="8850923" y="4615289"/>
+            <a:ext cx="2118544" cy="2011854"/>
           </a:xfrm>
           <a:prstGeom prst="rect">
             <a:avLst/>
@@ -5934,7 +5922,7 @@
     </p:spTree>
     <p:extLst>
       <p:ext uri="{BB962C8B-B14F-4D97-AF65-F5344CB8AC3E}">
-        <p14:creationId xmlns:p14="http://schemas.microsoft.com/office/powerpoint/2010/main" val="3746215544"/>
+        <p14:creationId xmlns:p14="http://schemas.microsoft.com/office/powerpoint/2010/main" val="2344938371"/>
       </p:ext>
     </p:extLst>
   </p:cSld>
@@ -5984,13 +5972,8 @@
           <a:p>
             <a:r>
               <a:rPr lang="zh-CN" altLang="en-US" dirty="0"/>
-              <a:t>生命苦短我用 </a:t>
-            </a:r>
-            <a:r>
-              <a:rPr lang="en-US" altLang="zh-CN" dirty="0"/>
-              <a:t>python</a:t>
-            </a:r>
-            <a:endParaRPr lang="zh-CN" altLang="en-US" dirty="0"/>
+              <a:t>科研工具</a:t>
+            </a:r>
           </a:p>
         </p:txBody>
       </p:sp>
@@ -6021,24 +6004,30 @@
           <a:lstStyle/>
           <a:p>
             <a:r>
+              <a:rPr lang="en-US" altLang="zh-CN" dirty="0" err="1"/>
+              <a:t>Matlab</a:t>
+            </a:r>
+            <a:endParaRPr lang="en-US" altLang="zh-CN" dirty="0"/>
+          </a:p>
+          <a:p>
+            <a:r>
+              <a:rPr lang="zh-CN" altLang="en-US" dirty="0"/>
+              <a:t>在北邮资源站上可以找到，</a:t>
+            </a:r>
+            <a:endParaRPr lang="en-US" altLang="zh-CN" dirty="0"/>
+          </a:p>
+          <a:p>
+            <a:r>
+              <a:rPr lang="en-US" altLang="zh-CN" dirty="0" err="1"/>
+              <a:t>Matlab</a:t>
+            </a:r>
+            <a:r>
               <a:rPr lang="en-US" altLang="zh-CN" dirty="0"/>
-              <a:t>VS code</a:t>
-            </a:r>
-          </a:p>
-          <a:p>
-            <a:r>
-              <a:rPr lang="zh-CN" altLang="en-US" dirty="0"/>
-              <a:t>基本上是对新手最友好的第三方库管理软件</a:t>
-            </a:r>
-          </a:p>
-          <a:p>
-            <a:r>
-              <a:rPr lang="zh-CN" altLang="en-US" dirty="0"/>
-              <a:t>下载安装一定要选中“</a:t>
-            </a:r>
-            <a:r>
-              <a:rPr lang="en-US" altLang="zh-CN" dirty="0"/>
-              <a:t>add to path”</a:t>
+              <a:t> </a:t>
+            </a:r>
+            <a:r>
+              <a:rPr lang="zh-CN" altLang="en-US"/>
+              <a:t>账号一定要用校园邮箱注册</a:t>
             </a:r>
             <a:endParaRPr lang="zh-CN" altLang="en-US" dirty="0"/>
           </a:p>
@@ -6049,7 +6038,7 @@
           <p:cNvPr id="4" name="图片 3">
             <a:extLst>
               <a:ext uri="{FF2B5EF4-FFF2-40B4-BE49-F238E27FC236}">
-                <a16:creationId xmlns:a16="http://schemas.microsoft.com/office/drawing/2014/main" id="{A1C9B3C5-22CA-4600-B23E-4DA5A598DC61}"/>
+                <a16:creationId xmlns:a16="http://schemas.microsoft.com/office/drawing/2014/main" id="{6D9BE18D-CE32-4170-887E-5263BFAF5B8F}"/>
               </a:ext>
             </a:extLst>
           </p:cNvPr>
@@ -6066,8 +6055,8 @@
         </p:blipFill>
         <p:spPr>
           <a:xfrm>
-            <a:off x="838200" y="3339756"/>
-            <a:ext cx="6127011" cy="3414056"/>
+            <a:off x="8850923" y="576986"/>
+            <a:ext cx="2886611" cy="2433423"/>
           </a:xfrm>
           <a:prstGeom prst="rect">
             <a:avLst/>
@@ -6076,10 +6065,10 @@
       </p:pic>
       <p:pic>
         <p:nvPicPr>
-          <p:cNvPr id="7" name="图片 6">
-            <a:extLst>
-              <a:ext uri="{FF2B5EF4-FFF2-40B4-BE49-F238E27FC236}">
-                <a16:creationId xmlns:a16="http://schemas.microsoft.com/office/drawing/2014/main" id="{931BD9B3-31C8-464D-9AAD-352E42A6AC7B}"/>
+          <p:cNvPr id="5" name="图片 4">
+            <a:extLst>
+              <a:ext uri="{FF2B5EF4-FFF2-40B4-BE49-F238E27FC236}">
+                <a16:creationId xmlns:a16="http://schemas.microsoft.com/office/drawing/2014/main" id="{3067721D-FE76-4529-A8D1-624335DC55C7}"/>
               </a:ext>
             </a:extLst>
           </p:cNvPr>
@@ -6096,52 +6085,18 @@
         </p:blipFill>
         <p:spPr>
           <a:xfrm>
-            <a:off x="8345264" y="398092"/>
-            <a:ext cx="3666575" cy="3681539"/>
+            <a:off x="838200" y="3360860"/>
+            <a:ext cx="5369169" cy="3132015"/>
           </a:xfrm>
           <a:prstGeom prst="rect">
             <a:avLst/>
           </a:prstGeom>
         </p:spPr>
       </p:pic>
-      <p:sp>
-        <p:nvSpPr>
-          <p:cNvPr id="8" name="矩形 7">
-            <a:extLst>
-              <a:ext uri="{FF2B5EF4-FFF2-40B4-BE49-F238E27FC236}">
-                <a16:creationId xmlns:a16="http://schemas.microsoft.com/office/drawing/2014/main" id="{6447E00C-F131-452B-9017-B09362F3C516}"/>
-              </a:ext>
-            </a:extLst>
-          </p:cNvPr>
-          <p:cNvSpPr/>
-          <p:nvPr/>
-        </p:nvSpPr>
-        <p:spPr>
-          <a:xfrm>
-            <a:off x="8170984" y="4653281"/>
-            <a:ext cx="2930769" cy="1200329"/>
-          </a:xfrm>
-          <a:prstGeom prst="rect">
-            <a:avLst/>
-          </a:prstGeom>
-        </p:spPr>
-        <p:txBody>
-          <a:bodyPr wrap="square">
-            <a:spAutoFit/>
-          </a:bodyPr>
-          <a:lstStyle/>
-          <a:p>
-            <a:r>
-              <a:rPr lang="zh-CN" altLang="en-US" dirty="0"/>
-              <a:t>轻量级但强大的IDE，不仅仅可以搭建python开发环境，还可以配合第三方插件搭建所有语言的开发环境</a:t>
-            </a:r>
-          </a:p>
-        </p:txBody>
-      </p:sp>
     </p:spTree>
     <p:extLst>
       <p:ext uri="{BB962C8B-B14F-4D97-AF65-F5344CB8AC3E}">
-        <p14:creationId xmlns:p14="http://schemas.microsoft.com/office/powerpoint/2010/main" val="1811907405"/>
+        <p14:creationId xmlns:p14="http://schemas.microsoft.com/office/powerpoint/2010/main" val="2667246525"/>
       </p:ext>
     </p:extLst>
   </p:cSld>
@@ -6228,56 +6183,26 @@
           <a:lstStyle/>
           <a:p>
             <a:r>
+              <a:rPr lang="en-US" altLang="zh-CN" dirty="0"/>
+              <a:t>Anaconda</a:t>
+            </a:r>
+          </a:p>
+          <a:p>
+            <a:r>
               <a:rPr lang="zh-CN" altLang="en-US" dirty="0"/>
-              <a:t>第三方</a:t>
-            </a:r>
-            <a:r>
-              <a:rPr lang="en-US" altLang="zh-CN" dirty="0" err="1"/>
-              <a:t>whl</a:t>
+              <a:t>基本上是对新手最友好的第三方库管理软件</a:t>
+            </a:r>
+          </a:p>
+          <a:p>
+            <a:r>
+              <a:rPr lang="zh-CN" altLang="en-US" dirty="0"/>
+              <a:t>下载安装一定要选中“</a:t>
+            </a:r>
+            <a:r>
+              <a:rPr lang="en-US" altLang="zh-CN" dirty="0"/>
+              <a:t>add to path”</a:t>
             </a:r>
             <a:endParaRPr lang="zh-CN" altLang="en-US" dirty="0"/>
-          </a:p>
-          <a:p>
-            <a:r>
-              <a:rPr lang="zh-CN" altLang="en-US" dirty="0"/>
-              <a:t>如果安装</a:t>
-            </a:r>
-            <a:r>
-              <a:rPr lang="en-US" altLang="zh-CN" dirty="0"/>
-              <a:t>python</a:t>
-            </a:r>
-            <a:r>
-              <a:rPr lang="zh-CN" altLang="en-US" dirty="0"/>
-              <a:t>库出现</a:t>
-            </a:r>
-            <a:r>
-              <a:rPr lang="en-US" altLang="zh-CN" dirty="0"/>
-              <a:t>bug</a:t>
-            </a:r>
-            <a:r>
-              <a:rPr lang="zh-CN" altLang="en-US" dirty="0"/>
-              <a:t>，</a:t>
-            </a:r>
-            <a:r>
-              <a:rPr lang="en-US" altLang="zh-CN" dirty="0"/>
-              <a:t>python</a:t>
-            </a:r>
-            <a:r>
-              <a:rPr lang="zh-CN" altLang="en-US" dirty="0"/>
-              <a:t>版本确认无误后到该网站下载</a:t>
-            </a:r>
-            <a:r>
-              <a:rPr lang="en-US" altLang="zh-CN" dirty="0"/>
-              <a:t>.</a:t>
-            </a:r>
-            <a:r>
-              <a:rPr lang="en-US" altLang="zh-CN" dirty="0" err="1"/>
-              <a:t>whl</a:t>
-            </a:r>
-            <a:r>
-              <a:rPr lang="zh-CN" altLang="en-US" dirty="0"/>
-              <a:t>进行安装。</a:t>
-            </a:r>
           </a:p>
         </p:txBody>
       </p:sp>
@@ -6286,7 +6211,7 @@
           <p:cNvPr id="5" name="图片 4">
             <a:extLst>
               <a:ext uri="{FF2B5EF4-FFF2-40B4-BE49-F238E27FC236}">
-                <a16:creationId xmlns:a16="http://schemas.microsoft.com/office/drawing/2014/main" id="{6C2D7420-4535-4807-97BB-2541E659C3CE}"/>
+                <a16:creationId xmlns:a16="http://schemas.microsoft.com/office/drawing/2014/main" id="{D356D450-15D9-4735-92A4-2741434D4FA2}"/>
               </a:ext>
             </a:extLst>
           </p:cNvPr>
@@ -6303,8 +6228,8 @@
         </p:blipFill>
         <p:spPr>
           <a:xfrm>
-            <a:off x="8367555" y="587834"/>
-            <a:ext cx="3425860" cy="3222746"/>
+            <a:off x="684055" y="4071426"/>
+            <a:ext cx="6492803" cy="2240474"/>
           </a:xfrm>
           <a:prstGeom prst="rect">
             <a:avLst/>
@@ -6316,7 +6241,7 @@
           <p:cNvPr id="6" name="图片 5">
             <a:extLst>
               <a:ext uri="{FF2B5EF4-FFF2-40B4-BE49-F238E27FC236}">
-                <a16:creationId xmlns:a16="http://schemas.microsoft.com/office/drawing/2014/main" id="{96FC79ED-5407-433C-A7BA-1E1494F18E85}"/>
+                <a16:creationId xmlns:a16="http://schemas.microsoft.com/office/drawing/2014/main" id="{34E27829-7BCE-487D-A067-0CABBA5ECB53}"/>
               </a:ext>
             </a:extLst>
           </p:cNvPr>
@@ -6333,8 +6258,8 @@
         </p:blipFill>
         <p:spPr>
           <a:xfrm>
-            <a:off x="559985" y="3301094"/>
-            <a:ext cx="7905855" cy="3297289"/>
+            <a:off x="8317145" y="682494"/>
+            <a:ext cx="3276978" cy="3149468"/>
           </a:xfrm>
           <a:prstGeom prst="rect">
             <a:avLst/>
@@ -6344,7 +6269,7 @@
     </p:spTree>
     <p:extLst>
       <p:ext uri="{BB962C8B-B14F-4D97-AF65-F5344CB8AC3E}">
-        <p14:creationId xmlns:p14="http://schemas.microsoft.com/office/powerpoint/2010/main" val="3415300566"/>
+        <p14:creationId xmlns:p14="http://schemas.microsoft.com/office/powerpoint/2010/main" val="3746215544"/>
       </p:ext>
     </p:extLst>
   </p:cSld>
@@ -6394,6 +6319,416 @@
           <a:p>
             <a:r>
               <a:rPr lang="zh-CN" altLang="en-US" dirty="0"/>
+              <a:t>生命苦短我用 </a:t>
+            </a:r>
+            <a:r>
+              <a:rPr lang="en-US" altLang="zh-CN" dirty="0"/>
+              <a:t>python</a:t>
+            </a:r>
+            <a:endParaRPr lang="zh-CN" altLang="en-US" dirty="0"/>
+          </a:p>
+        </p:txBody>
+      </p:sp>
+      <p:sp>
+        <p:nvSpPr>
+          <p:cNvPr id="3" name="内容占位符 2">
+            <a:extLst>
+              <a:ext uri="{FF2B5EF4-FFF2-40B4-BE49-F238E27FC236}">
+                <a16:creationId xmlns:a16="http://schemas.microsoft.com/office/drawing/2014/main" id="{98960F06-D9FA-41E7-8B80-329DB5C56BFE}"/>
+              </a:ext>
+            </a:extLst>
+          </p:cNvPr>
+          <p:cNvSpPr>
+            <a:spLocks noGrp="1"/>
+          </p:cNvSpPr>
+          <p:nvPr>
+            <p:ph idx="1"/>
+          </p:nvPr>
+        </p:nvSpPr>
+        <p:spPr>
+          <a:xfrm>
+            <a:off x="838200" y="1825625"/>
+            <a:ext cx="7168662" cy="4351338"/>
+          </a:xfrm>
+        </p:spPr>
+        <p:txBody>
+          <a:bodyPr/>
+          <a:lstStyle/>
+          <a:p>
+            <a:r>
+              <a:rPr lang="en-US" altLang="zh-CN" dirty="0"/>
+              <a:t>VS code</a:t>
+            </a:r>
+          </a:p>
+          <a:p>
+            <a:r>
+              <a:rPr lang="zh-CN" altLang="en-US" dirty="0"/>
+              <a:t>基本上是对新手最友好的第三方库管理软件</a:t>
+            </a:r>
+          </a:p>
+          <a:p>
+            <a:r>
+              <a:rPr lang="zh-CN" altLang="en-US" dirty="0"/>
+              <a:t>下载安装一定要选中“</a:t>
+            </a:r>
+            <a:r>
+              <a:rPr lang="en-US" altLang="zh-CN" dirty="0"/>
+              <a:t>add to path”</a:t>
+            </a:r>
+            <a:endParaRPr lang="zh-CN" altLang="en-US" dirty="0"/>
+          </a:p>
+        </p:txBody>
+      </p:sp>
+      <p:pic>
+        <p:nvPicPr>
+          <p:cNvPr id="4" name="图片 3">
+            <a:extLst>
+              <a:ext uri="{FF2B5EF4-FFF2-40B4-BE49-F238E27FC236}">
+                <a16:creationId xmlns:a16="http://schemas.microsoft.com/office/drawing/2014/main" id="{A1C9B3C5-22CA-4600-B23E-4DA5A598DC61}"/>
+              </a:ext>
+            </a:extLst>
+          </p:cNvPr>
+          <p:cNvPicPr>
+            <a:picLocks noChangeAspect="1"/>
+          </p:cNvPicPr>
+          <p:nvPr/>
+        </p:nvPicPr>
+        <p:blipFill>
+          <a:blip r:embed="rId2"/>
+          <a:stretch>
+            <a:fillRect/>
+          </a:stretch>
+        </p:blipFill>
+        <p:spPr>
+          <a:xfrm>
+            <a:off x="838200" y="3339756"/>
+            <a:ext cx="6127011" cy="3414056"/>
+          </a:xfrm>
+          <a:prstGeom prst="rect">
+            <a:avLst/>
+          </a:prstGeom>
+        </p:spPr>
+      </p:pic>
+      <p:pic>
+        <p:nvPicPr>
+          <p:cNvPr id="7" name="图片 6">
+            <a:extLst>
+              <a:ext uri="{FF2B5EF4-FFF2-40B4-BE49-F238E27FC236}">
+                <a16:creationId xmlns:a16="http://schemas.microsoft.com/office/drawing/2014/main" id="{931BD9B3-31C8-464D-9AAD-352E42A6AC7B}"/>
+              </a:ext>
+            </a:extLst>
+          </p:cNvPr>
+          <p:cNvPicPr>
+            <a:picLocks noChangeAspect="1"/>
+          </p:cNvPicPr>
+          <p:nvPr/>
+        </p:nvPicPr>
+        <p:blipFill>
+          <a:blip r:embed="rId3"/>
+          <a:stretch>
+            <a:fillRect/>
+          </a:stretch>
+        </p:blipFill>
+        <p:spPr>
+          <a:xfrm>
+            <a:off x="8345264" y="398092"/>
+            <a:ext cx="3666575" cy="3681539"/>
+          </a:xfrm>
+          <a:prstGeom prst="rect">
+            <a:avLst/>
+          </a:prstGeom>
+        </p:spPr>
+      </p:pic>
+      <p:sp>
+        <p:nvSpPr>
+          <p:cNvPr id="8" name="矩形 7">
+            <a:extLst>
+              <a:ext uri="{FF2B5EF4-FFF2-40B4-BE49-F238E27FC236}">
+                <a16:creationId xmlns:a16="http://schemas.microsoft.com/office/drawing/2014/main" id="{6447E00C-F131-452B-9017-B09362F3C516}"/>
+              </a:ext>
+            </a:extLst>
+          </p:cNvPr>
+          <p:cNvSpPr/>
+          <p:nvPr/>
+        </p:nvSpPr>
+        <p:spPr>
+          <a:xfrm>
+            <a:off x="8170984" y="4653281"/>
+            <a:ext cx="2930769" cy="1200329"/>
+          </a:xfrm>
+          <a:prstGeom prst="rect">
+            <a:avLst/>
+          </a:prstGeom>
+        </p:spPr>
+        <p:txBody>
+          <a:bodyPr wrap="square">
+            <a:spAutoFit/>
+          </a:bodyPr>
+          <a:lstStyle/>
+          <a:p>
+            <a:r>
+              <a:rPr lang="zh-CN" altLang="en-US" dirty="0"/>
+              <a:t>轻量级但强大的IDE，不仅仅可以搭建python开发环境，还可以配合第三方插件搭建所有语言的开发环境</a:t>
+            </a:r>
+          </a:p>
+        </p:txBody>
+      </p:sp>
+    </p:spTree>
+    <p:extLst>
+      <p:ext uri="{BB962C8B-B14F-4D97-AF65-F5344CB8AC3E}">
+        <p14:creationId xmlns:p14="http://schemas.microsoft.com/office/powerpoint/2010/main" val="1811907405"/>
+      </p:ext>
+    </p:extLst>
+  </p:cSld>
+  <p:clrMapOvr>
+    <a:masterClrMapping/>
+  </p:clrMapOvr>
+</p:sld>
+</file>
+
+<file path=ppt/slides/slide25.xml><?xml version="1.0" encoding="utf-8"?>
+<p:sld xmlns:a="http://schemas.openxmlformats.org/drawingml/2006/main" xmlns:r="http://schemas.openxmlformats.org/officeDocument/2006/relationships" xmlns:p="http://schemas.openxmlformats.org/presentationml/2006/main">
+  <p:cSld>
+    <p:spTree>
+      <p:nvGrpSpPr>
+        <p:cNvPr id="1" name=""/>
+        <p:cNvGrpSpPr/>
+        <p:nvPr/>
+      </p:nvGrpSpPr>
+      <p:grpSpPr>
+        <a:xfrm>
+          <a:off x="0" y="0"/>
+          <a:ext cx="0" cy="0"/>
+          <a:chOff x="0" y="0"/>
+          <a:chExt cx="0" cy="0"/>
+        </a:xfrm>
+      </p:grpSpPr>
+      <p:sp>
+        <p:nvSpPr>
+          <p:cNvPr id="2" name="标题 1">
+            <a:extLst>
+              <a:ext uri="{FF2B5EF4-FFF2-40B4-BE49-F238E27FC236}">
+                <a16:creationId xmlns:a16="http://schemas.microsoft.com/office/drawing/2014/main" id="{BA3483B3-46C7-4474-BCF7-72A13556DB11}"/>
+              </a:ext>
+            </a:extLst>
+          </p:cNvPr>
+          <p:cNvSpPr>
+            <a:spLocks noGrp="1"/>
+          </p:cNvSpPr>
+          <p:nvPr>
+            <p:ph type="title"/>
+          </p:nvPr>
+        </p:nvSpPr>
+        <p:spPr/>
+        <p:txBody>
+          <a:bodyPr/>
+          <a:lstStyle/>
+          <a:p>
+            <a:r>
+              <a:rPr lang="zh-CN" altLang="en-US" dirty="0"/>
+              <a:t>生命苦短我用 </a:t>
+            </a:r>
+            <a:r>
+              <a:rPr lang="en-US" altLang="zh-CN" dirty="0"/>
+              <a:t>python</a:t>
+            </a:r>
+            <a:endParaRPr lang="zh-CN" altLang="en-US" dirty="0"/>
+          </a:p>
+        </p:txBody>
+      </p:sp>
+      <p:sp>
+        <p:nvSpPr>
+          <p:cNvPr id="3" name="内容占位符 2">
+            <a:extLst>
+              <a:ext uri="{FF2B5EF4-FFF2-40B4-BE49-F238E27FC236}">
+                <a16:creationId xmlns:a16="http://schemas.microsoft.com/office/drawing/2014/main" id="{98960F06-D9FA-41E7-8B80-329DB5C56BFE}"/>
+              </a:ext>
+            </a:extLst>
+          </p:cNvPr>
+          <p:cNvSpPr>
+            <a:spLocks noGrp="1"/>
+          </p:cNvSpPr>
+          <p:nvPr>
+            <p:ph idx="1"/>
+          </p:nvPr>
+        </p:nvSpPr>
+        <p:spPr>
+          <a:xfrm>
+            <a:off x="838200" y="1825625"/>
+            <a:ext cx="7168662" cy="4351338"/>
+          </a:xfrm>
+        </p:spPr>
+        <p:txBody>
+          <a:bodyPr/>
+          <a:lstStyle/>
+          <a:p>
+            <a:r>
+              <a:rPr lang="zh-CN" altLang="en-US" dirty="0"/>
+              <a:t>第三方</a:t>
+            </a:r>
+            <a:r>
+              <a:rPr lang="en-US" altLang="zh-CN" dirty="0" err="1"/>
+              <a:t>whl</a:t>
+            </a:r>
+            <a:endParaRPr lang="zh-CN" altLang="en-US" dirty="0"/>
+          </a:p>
+          <a:p>
+            <a:r>
+              <a:rPr lang="zh-CN" altLang="en-US" dirty="0"/>
+              <a:t>如果安装</a:t>
+            </a:r>
+            <a:r>
+              <a:rPr lang="en-US" altLang="zh-CN" dirty="0"/>
+              <a:t>python</a:t>
+            </a:r>
+            <a:r>
+              <a:rPr lang="zh-CN" altLang="en-US" dirty="0"/>
+              <a:t>库出现</a:t>
+            </a:r>
+            <a:r>
+              <a:rPr lang="en-US" altLang="zh-CN" dirty="0"/>
+              <a:t>bug</a:t>
+            </a:r>
+            <a:r>
+              <a:rPr lang="zh-CN" altLang="en-US" dirty="0"/>
+              <a:t>，</a:t>
+            </a:r>
+            <a:r>
+              <a:rPr lang="en-US" altLang="zh-CN" dirty="0"/>
+              <a:t>python</a:t>
+            </a:r>
+            <a:r>
+              <a:rPr lang="zh-CN" altLang="en-US" dirty="0"/>
+              <a:t>版本确认无误后到该网站下载</a:t>
+            </a:r>
+            <a:r>
+              <a:rPr lang="en-US" altLang="zh-CN" dirty="0"/>
+              <a:t>.</a:t>
+            </a:r>
+            <a:r>
+              <a:rPr lang="en-US" altLang="zh-CN" dirty="0" err="1"/>
+              <a:t>whl</a:t>
+            </a:r>
+            <a:r>
+              <a:rPr lang="zh-CN" altLang="en-US" dirty="0"/>
+              <a:t>进行安装。</a:t>
+            </a:r>
+          </a:p>
+        </p:txBody>
+      </p:sp>
+      <p:pic>
+        <p:nvPicPr>
+          <p:cNvPr id="5" name="图片 4">
+            <a:extLst>
+              <a:ext uri="{FF2B5EF4-FFF2-40B4-BE49-F238E27FC236}">
+                <a16:creationId xmlns:a16="http://schemas.microsoft.com/office/drawing/2014/main" id="{6C2D7420-4535-4807-97BB-2541E659C3CE}"/>
+              </a:ext>
+            </a:extLst>
+          </p:cNvPr>
+          <p:cNvPicPr>
+            <a:picLocks noChangeAspect="1"/>
+          </p:cNvPicPr>
+          <p:nvPr/>
+        </p:nvPicPr>
+        <p:blipFill>
+          <a:blip r:embed="rId2"/>
+          <a:stretch>
+            <a:fillRect/>
+          </a:stretch>
+        </p:blipFill>
+        <p:spPr>
+          <a:xfrm>
+            <a:off x="8367555" y="587834"/>
+            <a:ext cx="3425860" cy="3222746"/>
+          </a:xfrm>
+          <a:prstGeom prst="rect">
+            <a:avLst/>
+          </a:prstGeom>
+        </p:spPr>
+      </p:pic>
+      <p:pic>
+        <p:nvPicPr>
+          <p:cNvPr id="6" name="图片 5">
+            <a:extLst>
+              <a:ext uri="{FF2B5EF4-FFF2-40B4-BE49-F238E27FC236}">
+                <a16:creationId xmlns:a16="http://schemas.microsoft.com/office/drawing/2014/main" id="{96FC79ED-5407-433C-A7BA-1E1494F18E85}"/>
+              </a:ext>
+            </a:extLst>
+          </p:cNvPr>
+          <p:cNvPicPr>
+            <a:picLocks noChangeAspect="1"/>
+          </p:cNvPicPr>
+          <p:nvPr/>
+        </p:nvPicPr>
+        <p:blipFill>
+          <a:blip r:embed="rId3"/>
+          <a:stretch>
+            <a:fillRect/>
+          </a:stretch>
+        </p:blipFill>
+        <p:spPr>
+          <a:xfrm>
+            <a:off x="559985" y="3301094"/>
+            <a:ext cx="7905855" cy="3297289"/>
+          </a:xfrm>
+          <a:prstGeom prst="rect">
+            <a:avLst/>
+          </a:prstGeom>
+        </p:spPr>
+      </p:pic>
+    </p:spTree>
+    <p:extLst>
+      <p:ext uri="{BB962C8B-B14F-4D97-AF65-F5344CB8AC3E}">
+        <p14:creationId xmlns:p14="http://schemas.microsoft.com/office/powerpoint/2010/main" val="3415300566"/>
+      </p:ext>
+    </p:extLst>
+  </p:cSld>
+  <p:clrMapOvr>
+    <a:masterClrMapping/>
+  </p:clrMapOvr>
+</p:sld>
+</file>
+
+<file path=ppt/slides/slide26.xml><?xml version="1.0" encoding="utf-8"?>
+<p:sld xmlns:a="http://schemas.openxmlformats.org/drawingml/2006/main" xmlns:r="http://schemas.openxmlformats.org/officeDocument/2006/relationships" xmlns:p="http://schemas.openxmlformats.org/presentationml/2006/main">
+  <p:cSld>
+    <p:spTree>
+      <p:nvGrpSpPr>
+        <p:cNvPr id="1" name=""/>
+        <p:cNvGrpSpPr/>
+        <p:nvPr/>
+      </p:nvGrpSpPr>
+      <p:grpSpPr>
+        <a:xfrm>
+          <a:off x="0" y="0"/>
+          <a:ext cx="0" cy="0"/>
+          <a:chOff x="0" y="0"/>
+          <a:chExt cx="0" cy="0"/>
+        </a:xfrm>
+      </p:grpSpPr>
+      <p:sp>
+        <p:nvSpPr>
+          <p:cNvPr id="2" name="标题 1">
+            <a:extLst>
+              <a:ext uri="{FF2B5EF4-FFF2-40B4-BE49-F238E27FC236}">
+                <a16:creationId xmlns:a16="http://schemas.microsoft.com/office/drawing/2014/main" id="{BA3483B3-46C7-4474-BCF7-72A13556DB11}"/>
+              </a:ext>
+            </a:extLst>
+          </p:cNvPr>
+          <p:cNvSpPr>
+            <a:spLocks noGrp="1"/>
+          </p:cNvSpPr>
+          <p:nvPr>
+            <p:ph type="title"/>
+          </p:nvPr>
+        </p:nvSpPr>
+        <p:spPr/>
+        <p:txBody>
+          <a:bodyPr/>
+          <a:lstStyle/>
+          <a:p>
+            <a:r>
+              <a:rPr lang="zh-CN" altLang="en-US" dirty="0"/>
               <a:t>代码托管平台</a:t>
             </a:r>
           </a:p>
@@ -6540,7 +6875,7 @@
 </p:sld>
 </file>
 
-<file path=ppt/slides/slide25.xml><?xml version="1.0" encoding="utf-8"?>
+<file path=ppt/slides/slide27.xml><?xml version="1.0" encoding="utf-8"?>
 <p:sld xmlns:a="http://schemas.openxmlformats.org/drawingml/2006/main" xmlns:r="http://schemas.openxmlformats.org/officeDocument/2006/relationships" xmlns:p="http://schemas.openxmlformats.org/presentationml/2006/main">
   <p:cSld>
     <p:spTree>
